--- a/bluetooth_basic_v0.1/Doc/软件架构.pptx
+++ b/bluetooth_basic_v0.1/Doc/软件架构.pptx
@@ -195,7 +195,7 @@
           <a:p>
             <a:fld id="{65F4D595-035B-4DEC-84DA-8AF3E05E2789}" type="datetimeFigureOut">
               <a:rPr lang="zh-CN" altLang="en-US" smtClean="0"/>
-              <a:t>2021/5/20</a:t>
+              <a:t>2021/5/29</a:t>
             </a:fld>
             <a:endParaRPr lang="zh-CN" altLang="en-US"/>
           </a:p>
@@ -644,7 +644,7 @@
           <a:p>
             <a:fld id="{530820CF-B880-4189-942D-D702A7CBA730}" type="datetimeFigureOut">
               <a:rPr lang="zh-CN" altLang="en-US" smtClean="0"/>
-              <a:t>2021/5/20</a:t>
+              <a:t>2021/5/29</a:t>
             </a:fld>
             <a:endParaRPr lang="zh-CN" altLang="en-US"/>
           </a:p>
@@ -816,7 +816,7 @@
           <a:p>
             <a:fld id="{530820CF-B880-4189-942D-D702A7CBA730}" type="datetimeFigureOut">
               <a:rPr lang="zh-CN" altLang="en-US" smtClean="0"/>
-              <a:t>2021/5/20</a:t>
+              <a:t>2021/5/29</a:t>
             </a:fld>
             <a:endParaRPr lang="zh-CN" altLang="en-US"/>
           </a:p>
@@ -998,7 +998,7 @@
           <a:p>
             <a:fld id="{530820CF-B880-4189-942D-D702A7CBA730}" type="datetimeFigureOut">
               <a:rPr lang="zh-CN" altLang="en-US" smtClean="0"/>
-              <a:t>2021/5/20</a:t>
+              <a:t>2021/5/29</a:t>
             </a:fld>
             <a:endParaRPr lang="zh-CN" altLang="en-US"/>
           </a:p>
@@ -1170,7 +1170,7 @@
           <a:p>
             <a:fld id="{530820CF-B880-4189-942D-D702A7CBA730}" type="datetimeFigureOut">
               <a:rPr lang="zh-CN" altLang="en-US" smtClean="0"/>
-              <a:t>2021/5/20</a:t>
+              <a:t>2021/5/29</a:t>
             </a:fld>
             <a:endParaRPr lang="zh-CN" altLang="en-US"/>
           </a:p>
@@ -1411,7 +1411,7 @@
           <a:p>
             <a:fld id="{530820CF-B880-4189-942D-D702A7CBA730}" type="datetimeFigureOut">
               <a:rPr lang="zh-CN" altLang="en-US" smtClean="0"/>
-              <a:t>2021/5/20</a:t>
+              <a:t>2021/5/29</a:t>
             </a:fld>
             <a:endParaRPr lang="zh-CN" altLang="en-US"/>
           </a:p>
@@ -1694,7 +1694,7 @@
           <a:p>
             <a:fld id="{530820CF-B880-4189-942D-D702A7CBA730}" type="datetimeFigureOut">
               <a:rPr lang="zh-CN" altLang="en-US" smtClean="0"/>
-              <a:t>2021/5/20</a:t>
+              <a:t>2021/5/29</a:t>
             </a:fld>
             <a:endParaRPr lang="zh-CN" altLang="en-US"/>
           </a:p>
@@ -2111,7 +2111,7 @@
           <a:p>
             <a:fld id="{530820CF-B880-4189-942D-D702A7CBA730}" type="datetimeFigureOut">
               <a:rPr lang="zh-CN" altLang="en-US" smtClean="0"/>
-              <a:t>2021/5/20</a:t>
+              <a:t>2021/5/29</a:t>
             </a:fld>
             <a:endParaRPr lang="zh-CN" altLang="en-US"/>
           </a:p>
@@ -2224,7 +2224,7 @@
           <a:p>
             <a:fld id="{530820CF-B880-4189-942D-D702A7CBA730}" type="datetimeFigureOut">
               <a:rPr lang="zh-CN" altLang="en-US" smtClean="0"/>
-              <a:t>2021/5/20</a:t>
+              <a:t>2021/5/29</a:t>
             </a:fld>
             <a:endParaRPr lang="zh-CN" altLang="en-US"/>
           </a:p>
@@ -2314,7 +2314,7 @@
           <a:p>
             <a:fld id="{530820CF-B880-4189-942D-D702A7CBA730}" type="datetimeFigureOut">
               <a:rPr lang="zh-CN" altLang="en-US" smtClean="0"/>
-              <a:t>2021/5/20</a:t>
+              <a:t>2021/5/29</a:t>
             </a:fld>
             <a:endParaRPr lang="zh-CN" altLang="en-US"/>
           </a:p>
@@ -2593,7 +2593,7 @@
           <a:p>
             <a:fld id="{530820CF-B880-4189-942D-D702A7CBA730}" type="datetimeFigureOut">
               <a:rPr lang="zh-CN" altLang="en-US" smtClean="0"/>
-              <a:t>2021/5/20</a:t>
+              <a:t>2021/5/29</a:t>
             </a:fld>
             <a:endParaRPr lang="zh-CN" altLang="en-US"/>
           </a:p>
@@ -2841,7 +2841,7 @@
           <a:p>
             <a:fld id="{530820CF-B880-4189-942D-D702A7CBA730}" type="datetimeFigureOut">
               <a:rPr lang="zh-CN" altLang="en-US" smtClean="0"/>
-              <a:t>2021/5/20</a:t>
+              <a:t>2021/5/29</a:t>
             </a:fld>
             <a:endParaRPr lang="zh-CN" altLang="en-US"/>
           </a:p>
@@ -3049,7 +3049,7 @@
           <a:p>
             <a:fld id="{530820CF-B880-4189-942D-D702A7CBA730}" type="datetimeFigureOut">
               <a:rPr lang="zh-CN" altLang="en-US" smtClean="0"/>
-              <a:t>2021/5/20</a:t>
+              <a:t>2021/5/29</a:t>
             </a:fld>
             <a:endParaRPr lang="zh-CN" altLang="en-US"/>
           </a:p>
@@ -10954,7 +10954,7 @@
         <a:sysClr val="windowText" lastClr="000000"/>
       </a:dk1>
       <a:lt1>
-        <a:sysClr val="window" lastClr="CAEACE"/>
+        <a:sysClr val="window" lastClr="FFFFFF"/>
       </a:lt1>
       <a:dk2>
         <a:srgbClr val="1F497D"/>
@@ -11237,7 +11237,7 @@
         <a:sysClr val="windowText" lastClr="000000"/>
       </a:dk1>
       <a:lt1>
-        <a:sysClr val="window" lastClr="CAEACE"/>
+        <a:sysClr val="window" lastClr="FFFFFF"/>
       </a:lt1>
       <a:dk2>
         <a:srgbClr val="1F497D"/>

--- a/bluetooth_basic_v0.1/Doc/软件架构.pptx
+++ b/bluetooth_basic_v0.1/Doc/软件架构.pptx
@@ -195,7 +195,7 @@
           <a:p>
             <a:fld id="{65F4D595-035B-4DEC-84DA-8AF3E05E2789}" type="datetimeFigureOut">
               <a:rPr lang="zh-CN" altLang="en-US" smtClean="0"/>
-              <a:t>2021/5/29</a:t>
+              <a:t>2021/6/17</a:t>
             </a:fld>
             <a:endParaRPr lang="zh-CN" altLang="en-US"/>
           </a:p>
@@ -644,7 +644,7 @@
           <a:p>
             <a:fld id="{530820CF-B880-4189-942D-D702A7CBA730}" type="datetimeFigureOut">
               <a:rPr lang="zh-CN" altLang="en-US" smtClean="0"/>
-              <a:t>2021/5/29</a:t>
+              <a:t>2021/6/17</a:t>
             </a:fld>
             <a:endParaRPr lang="zh-CN" altLang="en-US"/>
           </a:p>
@@ -816,7 +816,7 @@
           <a:p>
             <a:fld id="{530820CF-B880-4189-942D-D702A7CBA730}" type="datetimeFigureOut">
               <a:rPr lang="zh-CN" altLang="en-US" smtClean="0"/>
-              <a:t>2021/5/29</a:t>
+              <a:t>2021/6/17</a:t>
             </a:fld>
             <a:endParaRPr lang="zh-CN" altLang="en-US"/>
           </a:p>
@@ -998,7 +998,7 @@
           <a:p>
             <a:fld id="{530820CF-B880-4189-942D-D702A7CBA730}" type="datetimeFigureOut">
               <a:rPr lang="zh-CN" altLang="en-US" smtClean="0"/>
-              <a:t>2021/5/29</a:t>
+              <a:t>2021/6/17</a:t>
             </a:fld>
             <a:endParaRPr lang="zh-CN" altLang="en-US"/>
           </a:p>
@@ -1170,7 +1170,7 @@
           <a:p>
             <a:fld id="{530820CF-B880-4189-942D-D702A7CBA730}" type="datetimeFigureOut">
               <a:rPr lang="zh-CN" altLang="en-US" smtClean="0"/>
-              <a:t>2021/5/29</a:t>
+              <a:t>2021/6/17</a:t>
             </a:fld>
             <a:endParaRPr lang="zh-CN" altLang="en-US"/>
           </a:p>
@@ -1411,7 +1411,7 @@
           <a:p>
             <a:fld id="{530820CF-B880-4189-942D-D702A7CBA730}" type="datetimeFigureOut">
               <a:rPr lang="zh-CN" altLang="en-US" smtClean="0"/>
-              <a:t>2021/5/29</a:t>
+              <a:t>2021/6/17</a:t>
             </a:fld>
             <a:endParaRPr lang="zh-CN" altLang="en-US"/>
           </a:p>
@@ -1694,7 +1694,7 @@
           <a:p>
             <a:fld id="{530820CF-B880-4189-942D-D702A7CBA730}" type="datetimeFigureOut">
               <a:rPr lang="zh-CN" altLang="en-US" smtClean="0"/>
-              <a:t>2021/5/29</a:t>
+              <a:t>2021/6/17</a:t>
             </a:fld>
             <a:endParaRPr lang="zh-CN" altLang="en-US"/>
           </a:p>
@@ -2111,7 +2111,7 @@
           <a:p>
             <a:fld id="{530820CF-B880-4189-942D-D702A7CBA730}" type="datetimeFigureOut">
               <a:rPr lang="zh-CN" altLang="en-US" smtClean="0"/>
-              <a:t>2021/5/29</a:t>
+              <a:t>2021/6/17</a:t>
             </a:fld>
             <a:endParaRPr lang="zh-CN" altLang="en-US"/>
           </a:p>
@@ -2224,7 +2224,7 @@
           <a:p>
             <a:fld id="{530820CF-B880-4189-942D-D702A7CBA730}" type="datetimeFigureOut">
               <a:rPr lang="zh-CN" altLang="en-US" smtClean="0"/>
-              <a:t>2021/5/29</a:t>
+              <a:t>2021/6/17</a:t>
             </a:fld>
             <a:endParaRPr lang="zh-CN" altLang="en-US"/>
           </a:p>
@@ -2314,7 +2314,7 @@
           <a:p>
             <a:fld id="{530820CF-B880-4189-942D-D702A7CBA730}" type="datetimeFigureOut">
               <a:rPr lang="zh-CN" altLang="en-US" smtClean="0"/>
-              <a:t>2021/5/29</a:t>
+              <a:t>2021/6/17</a:t>
             </a:fld>
             <a:endParaRPr lang="zh-CN" altLang="en-US"/>
           </a:p>
@@ -2593,7 +2593,7 @@
           <a:p>
             <a:fld id="{530820CF-B880-4189-942D-D702A7CBA730}" type="datetimeFigureOut">
               <a:rPr lang="zh-CN" altLang="en-US" smtClean="0"/>
-              <a:t>2021/5/29</a:t>
+              <a:t>2021/6/17</a:t>
             </a:fld>
             <a:endParaRPr lang="zh-CN" altLang="en-US"/>
           </a:p>
@@ -2841,7 +2841,7 @@
           <a:p>
             <a:fld id="{530820CF-B880-4189-942D-D702A7CBA730}" type="datetimeFigureOut">
               <a:rPr lang="zh-CN" altLang="en-US" smtClean="0"/>
-              <a:t>2021/5/29</a:t>
+              <a:t>2021/6/17</a:t>
             </a:fld>
             <a:endParaRPr lang="zh-CN" altLang="en-US"/>
           </a:p>
@@ -3049,7 +3049,7 @@
           <a:p>
             <a:fld id="{530820CF-B880-4189-942D-D702A7CBA730}" type="datetimeFigureOut">
               <a:rPr lang="zh-CN" altLang="en-US" smtClean="0"/>
-              <a:t>2021/5/29</a:t>
+              <a:t>2021/6/17</a:t>
             </a:fld>
             <a:endParaRPr lang="zh-CN" altLang="en-US"/>
           </a:p>
@@ -10954,7 +10954,7 @@
         <a:sysClr val="windowText" lastClr="000000"/>
       </a:dk1>
       <a:lt1>
-        <a:sysClr val="window" lastClr="FFFFFF"/>
+        <a:sysClr val="window" lastClr="CAEACE"/>
       </a:lt1>
       <a:dk2>
         <a:srgbClr val="1F497D"/>
@@ -11237,7 +11237,7 @@
         <a:sysClr val="windowText" lastClr="000000"/>
       </a:dk1>
       <a:lt1>
-        <a:sysClr val="window" lastClr="FFFFFF"/>
+        <a:sysClr val="window" lastClr="CAEACE"/>
       </a:lt1>
       <a:dk2>
         <a:srgbClr val="1F497D"/>

--- a/bluetooth_basic_v0.1/Doc/软件架构.pptx
+++ b/bluetooth_basic_v0.1/Doc/软件架构.pptx
@@ -5,13 +5,17 @@
     <p:sldMasterId id="2147483648" r:id="rId1"/>
   </p:sldMasterIdLst>
   <p:notesMasterIdLst>
-    <p:notesMasterId r:id="rId6"/>
+    <p:notesMasterId r:id="rId10"/>
   </p:notesMasterIdLst>
   <p:sldIdLst>
     <p:sldId id="257" r:id="rId2"/>
     <p:sldId id="258" r:id="rId3"/>
     <p:sldId id="259" r:id="rId4"/>
     <p:sldId id="260" r:id="rId5"/>
+    <p:sldId id="263" r:id="rId6"/>
+    <p:sldId id="264" r:id="rId7"/>
+    <p:sldId id="265" r:id="rId8"/>
+    <p:sldId id="262" r:id="rId9"/>
   </p:sldIdLst>
   <p:sldSz cx="9144000" cy="6858000" type="screen4x3"/>
   <p:notesSz cx="6858000" cy="9144000"/>
@@ -195,7 +199,7 @@
           <a:p>
             <a:fld id="{65F4D595-035B-4DEC-84DA-8AF3E05E2789}" type="datetimeFigureOut">
               <a:rPr lang="zh-CN" altLang="en-US" smtClean="0"/>
-              <a:t>2021/6/17</a:t>
+              <a:t>2021/7/3</a:t>
             </a:fld>
             <a:endParaRPr lang="zh-CN" altLang="en-US"/>
           </a:p>
@@ -463,6 +467,157 @@
 </p:notesMaster>
 </file>
 
+<file path=ppt/notesSlides/notesSlide1.xml><?xml version="1.0" encoding="utf-8"?>
+<p:notes xmlns:a="http://schemas.openxmlformats.org/drawingml/2006/main" xmlns:r="http://schemas.openxmlformats.org/officeDocument/2006/relationships" xmlns:p="http://schemas.openxmlformats.org/presentationml/2006/main">
+  <p:cSld>
+    <p:spTree>
+      <p:nvGrpSpPr>
+        <p:cNvPr id="1" name=""/>
+        <p:cNvGrpSpPr/>
+        <p:nvPr/>
+      </p:nvGrpSpPr>
+      <p:grpSpPr>
+        <a:xfrm>
+          <a:off x="0" y="0"/>
+          <a:ext cx="0" cy="0"/>
+          <a:chOff x="0" y="0"/>
+          <a:chExt cx="0" cy="0"/>
+        </a:xfrm>
+      </p:grpSpPr>
+      <p:sp>
+        <p:nvSpPr>
+          <p:cNvPr id="2" name="幻灯片图像占位符 1"/>
+          <p:cNvSpPr>
+            <a:spLocks noGrp="1" noRot="1" noChangeAspect="1"/>
+          </p:cNvSpPr>
+          <p:nvPr>
+            <p:ph type="sldImg"/>
+          </p:nvPr>
+        </p:nvSpPr>
+        <p:spPr/>
+      </p:sp>
+      <p:sp>
+        <p:nvSpPr>
+          <p:cNvPr id="3" name="备注占位符 2"/>
+          <p:cNvSpPr>
+            <a:spLocks noGrp="1"/>
+          </p:cNvSpPr>
+          <p:nvPr>
+            <p:ph type="body" idx="1"/>
+          </p:nvPr>
+        </p:nvSpPr>
+        <p:spPr/>
+        <p:txBody>
+          <a:bodyPr/>
+          <a:lstStyle/>
+          <a:p>
+            <a:r>
+              <a:rPr lang="zh-CN" altLang="en-US" dirty="0" smtClean="0"/>
+              <a:t>基本思路：同</a:t>
+            </a:r>
+            <a:r>
+              <a:rPr lang="en-US" altLang="zh-CN" dirty="0" smtClean="0"/>
+              <a:t>driver </a:t>
+            </a:r>
+            <a:r>
+              <a:rPr lang="en-US" altLang="zh-CN" dirty="0" err="1" smtClean="0"/>
+              <a:t>rx</a:t>
+            </a:r>
+            <a:r>
+              <a:rPr lang="zh-CN" altLang="en-US" dirty="0" smtClean="0"/>
+              <a:t>机制类似，将</a:t>
+            </a:r>
+            <a:r>
+              <a:rPr lang="en-US" altLang="zh-CN" dirty="0" err="1" smtClean="0"/>
+              <a:t>uart</a:t>
+            </a:r>
+            <a:r>
+              <a:rPr lang="en-US" altLang="zh-CN" dirty="0" smtClean="0"/>
+              <a:t> </a:t>
+            </a:r>
+            <a:r>
+              <a:rPr lang="en-US" altLang="zh-CN" dirty="0" err="1" smtClean="0"/>
+              <a:t>rx</a:t>
+            </a:r>
+            <a:r>
+              <a:rPr lang="en-US" altLang="zh-CN" dirty="0" smtClean="0"/>
+              <a:t> data </a:t>
+            </a:r>
+            <a:r>
+              <a:rPr lang="zh-CN" altLang="en-US" dirty="0" smtClean="0"/>
+              <a:t>缓存在</a:t>
+            </a:r>
+            <a:r>
+              <a:rPr lang="en-US" altLang="zh-CN" dirty="0" smtClean="0"/>
+              <a:t>ring buffer</a:t>
+            </a:r>
+            <a:r>
+              <a:rPr lang="zh-CN" altLang="en-US" dirty="0" smtClean="0"/>
+              <a:t>中，没收到一个字节数据开始解析，直到收到</a:t>
+            </a:r>
+            <a:r>
+              <a:rPr lang="en-US" altLang="zh-CN" dirty="0" smtClean="0"/>
+              <a:t>\r\n</a:t>
+            </a:r>
+            <a:r>
+              <a:rPr lang="zh-CN" altLang="en-US" dirty="0" smtClean="0"/>
+              <a:t>的结束标志后，通知</a:t>
+            </a:r>
+            <a:endParaRPr lang="en-US" altLang="zh-CN" dirty="0" smtClean="0"/>
+          </a:p>
+          <a:p>
+            <a:r>
+              <a:rPr lang="en-US" altLang="zh-CN" dirty="0" smtClean="0"/>
+              <a:t>AT_CMD</a:t>
+            </a:r>
+            <a:r>
+              <a:rPr lang="en-US" altLang="zh-CN" baseline="0" dirty="0" smtClean="0"/>
+              <a:t> task</a:t>
+            </a:r>
+            <a:r>
+              <a:rPr lang="zh-CN" altLang="en-US" baseline="0" dirty="0" smtClean="0"/>
+              <a:t>开始处理</a:t>
+            </a:r>
+            <a:endParaRPr lang="zh-CN" altLang="en-US" dirty="0"/>
+          </a:p>
+        </p:txBody>
+      </p:sp>
+      <p:sp>
+        <p:nvSpPr>
+          <p:cNvPr id="4" name="灯片编号占位符 3"/>
+          <p:cNvSpPr>
+            <a:spLocks noGrp="1"/>
+          </p:cNvSpPr>
+          <p:nvPr>
+            <p:ph type="sldNum" sz="quarter" idx="10"/>
+          </p:nvPr>
+        </p:nvSpPr>
+        <p:spPr/>
+        <p:txBody>
+          <a:bodyPr/>
+          <a:lstStyle/>
+          <a:p>
+            <a:fld id="{3DFD1903-9496-4DC7-AA5C-CE82878C811E}" type="slidenum">
+              <a:rPr lang="zh-CN" altLang="en-US" smtClean="0"/>
+              <a:t>5</a:t>
+            </a:fld>
+            <a:endParaRPr lang="zh-CN" altLang="en-US"/>
+          </a:p>
+        </p:txBody>
+      </p:sp>
+    </p:spTree>
+    <p:extLst>
+      <p:ext uri="{BB962C8B-B14F-4D97-AF65-F5344CB8AC3E}">
+        <p14:creationId xmlns:p14="http://schemas.microsoft.com/office/powerpoint/2010/main" val="2273963597"/>
+      </p:ext>
+    </p:extLst>
+  </p:cSld>
+  <p:clrMapOvr>
+    <a:masterClrMapping/>
+  </p:clrMapOvr>
+</p:notes>
+</file>
+
 <file path=ppt/slideLayouts/slideLayout1.xml><?xml version="1.0" encoding="utf-8"?>
 <p:sldLayout xmlns:a="http://schemas.openxmlformats.org/drawingml/2006/main" xmlns:r="http://schemas.openxmlformats.org/officeDocument/2006/relationships" xmlns:p="http://schemas.openxmlformats.org/presentationml/2006/main" type="title" preserve="1">
   <p:cSld name="标题幻灯片">
@@ -644,7 +799,7 @@
           <a:p>
             <a:fld id="{530820CF-B880-4189-942D-D702A7CBA730}" type="datetimeFigureOut">
               <a:rPr lang="zh-CN" altLang="en-US" smtClean="0"/>
-              <a:t>2021/6/17</a:t>
+              <a:t>2021/7/3</a:t>
             </a:fld>
             <a:endParaRPr lang="zh-CN" altLang="en-US"/>
           </a:p>
@@ -816,7 +971,7 @@
           <a:p>
             <a:fld id="{530820CF-B880-4189-942D-D702A7CBA730}" type="datetimeFigureOut">
               <a:rPr lang="zh-CN" altLang="en-US" smtClean="0"/>
-              <a:t>2021/6/17</a:t>
+              <a:t>2021/7/3</a:t>
             </a:fld>
             <a:endParaRPr lang="zh-CN" altLang="en-US"/>
           </a:p>
@@ -998,7 +1153,7 @@
           <a:p>
             <a:fld id="{530820CF-B880-4189-942D-D702A7CBA730}" type="datetimeFigureOut">
               <a:rPr lang="zh-CN" altLang="en-US" smtClean="0"/>
-              <a:t>2021/6/17</a:t>
+              <a:t>2021/7/3</a:t>
             </a:fld>
             <a:endParaRPr lang="zh-CN" altLang="en-US"/>
           </a:p>
@@ -1170,7 +1325,7 @@
           <a:p>
             <a:fld id="{530820CF-B880-4189-942D-D702A7CBA730}" type="datetimeFigureOut">
               <a:rPr lang="zh-CN" altLang="en-US" smtClean="0"/>
-              <a:t>2021/6/17</a:t>
+              <a:t>2021/7/3</a:t>
             </a:fld>
             <a:endParaRPr lang="zh-CN" altLang="en-US"/>
           </a:p>
@@ -1411,7 +1566,7 @@
           <a:p>
             <a:fld id="{530820CF-B880-4189-942D-D702A7CBA730}" type="datetimeFigureOut">
               <a:rPr lang="zh-CN" altLang="en-US" smtClean="0"/>
-              <a:t>2021/6/17</a:t>
+              <a:t>2021/7/3</a:t>
             </a:fld>
             <a:endParaRPr lang="zh-CN" altLang="en-US"/>
           </a:p>
@@ -1694,7 +1849,7 @@
           <a:p>
             <a:fld id="{530820CF-B880-4189-942D-D702A7CBA730}" type="datetimeFigureOut">
               <a:rPr lang="zh-CN" altLang="en-US" smtClean="0"/>
-              <a:t>2021/6/17</a:t>
+              <a:t>2021/7/3</a:t>
             </a:fld>
             <a:endParaRPr lang="zh-CN" altLang="en-US"/>
           </a:p>
@@ -2111,7 +2266,7 @@
           <a:p>
             <a:fld id="{530820CF-B880-4189-942D-D702A7CBA730}" type="datetimeFigureOut">
               <a:rPr lang="zh-CN" altLang="en-US" smtClean="0"/>
-              <a:t>2021/6/17</a:t>
+              <a:t>2021/7/3</a:t>
             </a:fld>
             <a:endParaRPr lang="zh-CN" altLang="en-US"/>
           </a:p>
@@ -2224,7 +2379,7 @@
           <a:p>
             <a:fld id="{530820CF-B880-4189-942D-D702A7CBA730}" type="datetimeFigureOut">
               <a:rPr lang="zh-CN" altLang="en-US" smtClean="0"/>
-              <a:t>2021/6/17</a:t>
+              <a:t>2021/7/3</a:t>
             </a:fld>
             <a:endParaRPr lang="zh-CN" altLang="en-US"/>
           </a:p>
@@ -2314,7 +2469,7 @@
           <a:p>
             <a:fld id="{530820CF-B880-4189-942D-D702A7CBA730}" type="datetimeFigureOut">
               <a:rPr lang="zh-CN" altLang="en-US" smtClean="0"/>
-              <a:t>2021/6/17</a:t>
+              <a:t>2021/7/3</a:t>
             </a:fld>
             <a:endParaRPr lang="zh-CN" altLang="en-US"/>
           </a:p>
@@ -2593,7 +2748,7 @@
           <a:p>
             <a:fld id="{530820CF-B880-4189-942D-D702A7CBA730}" type="datetimeFigureOut">
               <a:rPr lang="zh-CN" altLang="en-US" smtClean="0"/>
-              <a:t>2021/6/17</a:t>
+              <a:t>2021/7/3</a:t>
             </a:fld>
             <a:endParaRPr lang="zh-CN" altLang="en-US"/>
           </a:p>
@@ -2841,7 +2996,7 @@
           <a:p>
             <a:fld id="{530820CF-B880-4189-942D-D702A7CBA730}" type="datetimeFigureOut">
               <a:rPr lang="zh-CN" altLang="en-US" smtClean="0"/>
-              <a:t>2021/6/17</a:t>
+              <a:t>2021/7/3</a:t>
             </a:fld>
             <a:endParaRPr lang="zh-CN" altLang="en-US"/>
           </a:p>
@@ -3049,7 +3204,7 @@
           <a:p>
             <a:fld id="{530820CF-B880-4189-942D-D702A7CBA730}" type="datetimeFigureOut">
               <a:rPr lang="zh-CN" altLang="en-US" smtClean="0"/>
-              <a:t>2021/6/17</a:t>
+              <a:t>2021/7/3</a:t>
             </a:fld>
             <a:endParaRPr lang="zh-CN" altLang="en-US"/>
           </a:p>
@@ -10946,6 +11101,907 @@
 </p:sld>
 </file>
 
+<file path=ppt/slides/slide5.xml><?xml version="1.0" encoding="utf-8"?>
+<p:sld xmlns:a="http://schemas.openxmlformats.org/drawingml/2006/main" xmlns:r="http://schemas.openxmlformats.org/officeDocument/2006/relationships" xmlns:p="http://schemas.openxmlformats.org/presentationml/2006/main">
+  <p:cSld>
+    <p:spTree>
+      <p:nvGrpSpPr>
+        <p:cNvPr id="1" name=""/>
+        <p:cNvGrpSpPr/>
+        <p:nvPr/>
+      </p:nvGrpSpPr>
+      <p:grpSpPr>
+        <a:xfrm>
+          <a:off x="0" y="0"/>
+          <a:ext cx="0" cy="0"/>
+          <a:chOff x="0" y="0"/>
+          <a:chExt cx="0" cy="0"/>
+        </a:xfrm>
+      </p:grpSpPr>
+      <p:sp>
+        <p:nvSpPr>
+          <p:cNvPr id="2" name="标题 1"/>
+          <p:cNvSpPr>
+            <a:spLocks noGrp="1"/>
+          </p:cNvSpPr>
+          <p:nvPr>
+            <p:ph type="title"/>
+          </p:nvPr>
+        </p:nvSpPr>
+        <p:spPr>
+          <a:xfrm>
+            <a:off x="482426" y="476672"/>
+            <a:ext cx="8229600" cy="778098"/>
+          </a:xfrm>
+        </p:spPr>
+        <p:txBody>
+          <a:bodyPr/>
+          <a:lstStyle/>
+          <a:p>
+            <a:r>
+              <a:rPr lang="en-US" altLang="zh-CN" dirty="0" smtClean="0"/>
+              <a:t>AT Command</a:t>
+            </a:r>
+            <a:endParaRPr lang="zh-CN" altLang="en-US" dirty="0"/>
+          </a:p>
+        </p:txBody>
+      </p:sp>
+      <p:sp>
+        <p:nvSpPr>
+          <p:cNvPr id="6" name="矩形 5"/>
+          <p:cNvSpPr/>
+          <p:nvPr/>
+        </p:nvSpPr>
+        <p:spPr>
+          <a:xfrm>
+            <a:off x="1880096" y="4617132"/>
+            <a:ext cx="5434260" cy="648072"/>
+          </a:xfrm>
+          <a:prstGeom prst="rect">
+            <a:avLst/>
+          </a:prstGeom>
+        </p:spPr>
+        <p:style>
+          <a:lnRef idx="2">
+            <a:schemeClr val="accent1">
+              <a:shade val="50000"/>
+            </a:schemeClr>
+          </a:lnRef>
+          <a:fillRef idx="1">
+            <a:schemeClr val="accent1"/>
+          </a:fillRef>
+          <a:effectRef idx="0">
+            <a:schemeClr val="accent1"/>
+          </a:effectRef>
+          <a:fontRef idx="minor">
+            <a:schemeClr val="lt1"/>
+          </a:fontRef>
+        </p:style>
+        <p:txBody>
+          <a:bodyPr rtlCol="0" anchor="ctr"/>
+          <a:lstStyle/>
+          <a:p>
+            <a:pPr algn="ctr"/>
+            <a:r>
+              <a:rPr lang="en-US" altLang="zh-CN" dirty="0" err="1" smtClean="0"/>
+              <a:t>Uart</a:t>
+            </a:r>
+            <a:r>
+              <a:rPr lang="en-US" altLang="zh-CN" dirty="0" smtClean="0"/>
+              <a:t> hardware</a:t>
+            </a:r>
+            <a:endParaRPr lang="zh-CN" altLang="en-US" dirty="0"/>
+          </a:p>
+        </p:txBody>
+      </p:sp>
+      <p:sp>
+        <p:nvSpPr>
+          <p:cNvPr id="8" name="矩形 7"/>
+          <p:cNvSpPr/>
+          <p:nvPr/>
+        </p:nvSpPr>
+        <p:spPr>
+          <a:xfrm>
+            <a:off x="1868760" y="1556792"/>
+            <a:ext cx="5434260" cy="648072"/>
+          </a:xfrm>
+          <a:prstGeom prst="rect">
+            <a:avLst/>
+          </a:prstGeom>
+        </p:spPr>
+        <p:style>
+          <a:lnRef idx="2">
+            <a:schemeClr val="accent1">
+              <a:shade val="50000"/>
+            </a:schemeClr>
+          </a:lnRef>
+          <a:fillRef idx="1">
+            <a:schemeClr val="accent1"/>
+          </a:fillRef>
+          <a:effectRef idx="0">
+            <a:schemeClr val="accent1"/>
+          </a:effectRef>
+          <a:fontRef idx="minor">
+            <a:schemeClr val="lt1"/>
+          </a:fontRef>
+        </p:style>
+        <p:txBody>
+          <a:bodyPr rtlCol="0" anchor="ctr"/>
+          <a:lstStyle/>
+          <a:p>
+            <a:pPr algn="ctr"/>
+            <a:r>
+              <a:rPr lang="en-US" altLang="zh-CN" dirty="0" err="1" smtClean="0"/>
+              <a:t>AT_Command</a:t>
+            </a:r>
+            <a:endParaRPr lang="en-US" altLang="zh-CN" dirty="0"/>
+          </a:p>
+          <a:p>
+            <a:pPr algn="ctr"/>
+            <a:r>
+              <a:rPr lang="zh-CN" altLang="en-US" dirty="0" smtClean="0"/>
+              <a:t>创建一个</a:t>
+            </a:r>
+            <a:r>
+              <a:rPr lang="en-US" altLang="zh-CN" dirty="0" smtClean="0"/>
+              <a:t>task</a:t>
+            </a:r>
+            <a:r>
+              <a:rPr lang="zh-CN" altLang="en-US" dirty="0" smtClean="0"/>
+              <a:t>，持续监测</a:t>
+            </a:r>
+            <a:r>
+              <a:rPr lang="en-US" altLang="zh-CN" dirty="0" err="1" smtClean="0"/>
+              <a:t>port_service</a:t>
+            </a:r>
+            <a:r>
+              <a:rPr lang="zh-CN" altLang="en-US" dirty="0" smtClean="0"/>
+              <a:t>来的数据</a:t>
+            </a:r>
+            <a:endParaRPr lang="zh-CN" altLang="en-US" dirty="0"/>
+          </a:p>
+        </p:txBody>
+      </p:sp>
+      <p:sp>
+        <p:nvSpPr>
+          <p:cNvPr id="9" name="矩形 8"/>
+          <p:cNvSpPr/>
+          <p:nvPr/>
+        </p:nvSpPr>
+        <p:spPr>
+          <a:xfrm>
+            <a:off x="1880096" y="5661248"/>
+            <a:ext cx="5434260" cy="648072"/>
+          </a:xfrm>
+          <a:prstGeom prst="rect">
+            <a:avLst/>
+          </a:prstGeom>
+        </p:spPr>
+        <p:style>
+          <a:lnRef idx="2">
+            <a:schemeClr val="accent1">
+              <a:shade val="50000"/>
+            </a:schemeClr>
+          </a:lnRef>
+          <a:fillRef idx="1">
+            <a:schemeClr val="accent1"/>
+          </a:fillRef>
+          <a:effectRef idx="0">
+            <a:schemeClr val="accent1"/>
+          </a:effectRef>
+          <a:fontRef idx="minor">
+            <a:schemeClr val="lt1"/>
+          </a:fontRef>
+        </p:style>
+        <p:txBody>
+          <a:bodyPr rtlCol="0" anchor="ctr"/>
+          <a:lstStyle/>
+          <a:p>
+            <a:pPr algn="ctr"/>
+            <a:r>
+              <a:rPr lang="en-US" altLang="zh-CN" dirty="0" smtClean="0"/>
+              <a:t>Ring buffer for </a:t>
+            </a:r>
+            <a:r>
+              <a:rPr lang="en-US" altLang="zh-CN" dirty="0" err="1" smtClean="0"/>
+              <a:t>port_service</a:t>
+            </a:r>
+            <a:r>
+              <a:rPr lang="en-US" altLang="zh-CN" dirty="0" smtClean="0"/>
+              <a:t>(TX/RX)</a:t>
+            </a:r>
+            <a:endParaRPr lang="zh-CN" altLang="en-US" dirty="0"/>
+          </a:p>
+        </p:txBody>
+      </p:sp>
+      <p:sp>
+        <p:nvSpPr>
+          <p:cNvPr id="10" name="矩形 9"/>
+          <p:cNvSpPr/>
+          <p:nvPr/>
+        </p:nvSpPr>
+        <p:spPr>
+          <a:xfrm>
+            <a:off x="1880096" y="3573016"/>
+            <a:ext cx="5434260" cy="648072"/>
+          </a:xfrm>
+          <a:prstGeom prst="rect">
+            <a:avLst/>
+          </a:prstGeom>
+        </p:spPr>
+        <p:style>
+          <a:lnRef idx="2">
+            <a:schemeClr val="accent1">
+              <a:shade val="50000"/>
+            </a:schemeClr>
+          </a:lnRef>
+          <a:fillRef idx="1">
+            <a:schemeClr val="accent1"/>
+          </a:fillRef>
+          <a:effectRef idx="0">
+            <a:schemeClr val="accent1"/>
+          </a:effectRef>
+          <a:fontRef idx="minor">
+            <a:schemeClr val="lt1"/>
+          </a:fontRef>
+        </p:style>
+        <p:txBody>
+          <a:bodyPr rtlCol="0" anchor="ctr"/>
+          <a:lstStyle/>
+          <a:p>
+            <a:pPr algn="ctr"/>
+            <a:r>
+              <a:rPr lang="en-US" altLang="zh-CN" dirty="0" err="1" smtClean="0"/>
+              <a:t>Uart</a:t>
+            </a:r>
+            <a:r>
+              <a:rPr lang="en-US" altLang="zh-CN" dirty="0" smtClean="0"/>
+              <a:t> RX ISR</a:t>
+            </a:r>
+            <a:endParaRPr lang="zh-CN" altLang="en-US" dirty="0"/>
+          </a:p>
+        </p:txBody>
+      </p:sp>
+      <p:sp>
+        <p:nvSpPr>
+          <p:cNvPr id="11" name="上箭头 10"/>
+          <p:cNvSpPr/>
+          <p:nvPr/>
+        </p:nvSpPr>
+        <p:spPr>
+          <a:xfrm>
+            <a:off x="4139952" y="2492896"/>
+            <a:ext cx="457274" cy="936104"/>
+          </a:xfrm>
+          <a:prstGeom prst="upArrow">
+            <a:avLst/>
+          </a:prstGeom>
+        </p:spPr>
+        <p:style>
+          <a:lnRef idx="2">
+            <a:schemeClr val="accent1">
+              <a:shade val="50000"/>
+            </a:schemeClr>
+          </a:lnRef>
+          <a:fillRef idx="1">
+            <a:schemeClr val="accent1"/>
+          </a:fillRef>
+          <a:effectRef idx="0">
+            <a:schemeClr val="accent1"/>
+          </a:effectRef>
+          <a:fontRef idx="minor">
+            <a:schemeClr val="lt1"/>
+          </a:fontRef>
+        </p:style>
+        <p:txBody>
+          <a:bodyPr rtlCol="0" anchor="ctr"/>
+          <a:lstStyle/>
+          <a:p>
+            <a:pPr algn="ctr"/>
+            <a:endParaRPr lang="zh-CN" altLang="en-US"/>
+          </a:p>
+        </p:txBody>
+      </p:sp>
+      <p:sp>
+        <p:nvSpPr>
+          <p:cNvPr id="12" name="TextBox 11"/>
+          <p:cNvSpPr txBox="1"/>
+          <p:nvPr/>
+        </p:nvSpPr>
+        <p:spPr>
+          <a:xfrm>
+            <a:off x="4624834" y="2960948"/>
+            <a:ext cx="1612173" cy="369332"/>
+          </a:xfrm>
+          <a:prstGeom prst="rect">
+            <a:avLst/>
+          </a:prstGeom>
+          <a:noFill/>
+        </p:spPr>
+        <p:txBody>
+          <a:bodyPr wrap="none" rtlCol="0">
+            <a:spAutoFit/>
+          </a:bodyPr>
+          <a:lstStyle/>
+          <a:p>
+            <a:r>
+              <a:rPr lang="en-US" altLang="zh-CN" dirty="0" smtClean="0"/>
+              <a:t>Message notify</a:t>
+            </a:r>
+            <a:endParaRPr lang="zh-CN" altLang="en-US" dirty="0"/>
+          </a:p>
+        </p:txBody>
+      </p:sp>
+      <p:sp>
+        <p:nvSpPr>
+          <p:cNvPr id="13" name="TextBox 12"/>
+          <p:cNvSpPr txBox="1"/>
+          <p:nvPr/>
+        </p:nvSpPr>
+        <p:spPr>
+          <a:xfrm>
+            <a:off x="5907601" y="2308230"/>
+            <a:ext cx="3236399" cy="369332"/>
+          </a:xfrm>
+          <a:prstGeom prst="rect">
+            <a:avLst/>
+          </a:prstGeom>
+          <a:noFill/>
+        </p:spPr>
+        <p:txBody>
+          <a:bodyPr wrap="none" rtlCol="0">
+            <a:spAutoFit/>
+          </a:bodyPr>
+          <a:lstStyle/>
+          <a:p>
+            <a:r>
+              <a:rPr lang="zh-CN" altLang="en-US" dirty="0" smtClean="0">
+                <a:solidFill>
+                  <a:srgbClr val="FF0000"/>
+                </a:solidFill>
+              </a:rPr>
+              <a:t>问题关键在于如何解析</a:t>
+            </a:r>
+            <a:r>
+              <a:rPr lang="en-US" altLang="zh-CN" dirty="0" smtClean="0">
+                <a:solidFill>
+                  <a:srgbClr val="FF0000"/>
+                </a:solidFill>
+              </a:rPr>
+              <a:t>AT CMD</a:t>
+            </a:r>
+            <a:endParaRPr lang="zh-CN" altLang="en-US" dirty="0">
+              <a:solidFill>
+                <a:srgbClr val="FF0000"/>
+              </a:solidFill>
+            </a:endParaRPr>
+          </a:p>
+        </p:txBody>
+      </p:sp>
+    </p:spTree>
+    <p:extLst>
+      <p:ext uri="{BB962C8B-B14F-4D97-AF65-F5344CB8AC3E}">
+        <p14:creationId xmlns:p14="http://schemas.microsoft.com/office/powerpoint/2010/main" val="4218240974"/>
+      </p:ext>
+    </p:extLst>
+  </p:cSld>
+  <p:clrMapOvr>
+    <a:masterClrMapping/>
+  </p:clrMapOvr>
+</p:sld>
+</file>
+
+<file path=ppt/slides/slide6.xml><?xml version="1.0" encoding="utf-8"?>
+<p:sld xmlns:a="http://schemas.openxmlformats.org/drawingml/2006/main" xmlns:r="http://schemas.openxmlformats.org/officeDocument/2006/relationships" xmlns:p="http://schemas.openxmlformats.org/presentationml/2006/main">
+  <p:cSld>
+    <p:spTree>
+      <p:nvGrpSpPr>
+        <p:cNvPr id="1" name=""/>
+        <p:cNvGrpSpPr/>
+        <p:nvPr/>
+      </p:nvGrpSpPr>
+      <p:grpSpPr>
+        <a:xfrm>
+          <a:off x="0" y="0"/>
+          <a:ext cx="0" cy="0"/>
+          <a:chOff x="0" y="0"/>
+          <a:chExt cx="0" cy="0"/>
+        </a:xfrm>
+      </p:grpSpPr>
+      <p:sp>
+        <p:nvSpPr>
+          <p:cNvPr id="2" name="标题 1"/>
+          <p:cNvSpPr>
+            <a:spLocks noGrp="1"/>
+          </p:cNvSpPr>
+          <p:nvPr>
+            <p:ph type="title"/>
+          </p:nvPr>
+        </p:nvSpPr>
+        <p:spPr>
+          <a:xfrm>
+            <a:off x="457200" y="274638"/>
+            <a:ext cx="8229600" cy="778098"/>
+          </a:xfrm>
+        </p:spPr>
+        <p:txBody>
+          <a:bodyPr/>
+          <a:lstStyle/>
+          <a:p>
+            <a:r>
+              <a:rPr lang="en-US" altLang="zh-CN" dirty="0" smtClean="0"/>
+              <a:t>AT Command Format</a:t>
+            </a:r>
+            <a:endParaRPr lang="zh-CN" altLang="en-US" dirty="0"/>
+          </a:p>
+        </p:txBody>
+      </p:sp>
+      <p:sp>
+        <p:nvSpPr>
+          <p:cNvPr id="3" name="内容占位符 2"/>
+          <p:cNvSpPr>
+            <a:spLocks noGrp="1"/>
+          </p:cNvSpPr>
+          <p:nvPr>
+            <p:ph idx="1"/>
+          </p:nvPr>
+        </p:nvSpPr>
+        <p:spPr>
+          <a:xfrm>
+            <a:off x="457200" y="1196752"/>
+            <a:ext cx="8229600" cy="4929411"/>
+          </a:xfrm>
+        </p:spPr>
+        <p:txBody>
+          <a:bodyPr/>
+          <a:lstStyle/>
+          <a:p>
+            <a:pPr marL="0" indent="0">
+              <a:buNone/>
+            </a:pPr>
+            <a:r>
+              <a:rPr lang="zh-CN" altLang="en-US" dirty="0" smtClean="0"/>
+              <a:t>第一类：单纯测试用</a:t>
+            </a:r>
+            <a:endParaRPr lang="en-US" altLang="zh-CN" dirty="0" smtClean="0"/>
+          </a:p>
+          <a:p>
+            <a:r>
+              <a:rPr lang="en-US" altLang="zh-CN" dirty="0" smtClean="0"/>
+              <a:t>AT+TEST=?\r\n</a:t>
+            </a:r>
+          </a:p>
+          <a:p>
+            <a:pPr marL="0" indent="0">
+              <a:buNone/>
+            </a:pPr>
+            <a:r>
+              <a:rPr lang="zh-CN" altLang="en-US" dirty="0"/>
+              <a:t>第二</a:t>
+            </a:r>
+            <a:r>
+              <a:rPr lang="zh-CN" altLang="en-US" dirty="0" smtClean="0"/>
+              <a:t>类：执行操作，没有参数</a:t>
+            </a:r>
+            <a:endParaRPr lang="en-US" altLang="zh-CN" dirty="0"/>
+          </a:p>
+          <a:p>
+            <a:r>
+              <a:rPr lang="en-US" altLang="zh-CN" dirty="0"/>
+              <a:t>AT+TEST\r\n</a:t>
+            </a:r>
+          </a:p>
+          <a:p>
+            <a:pPr marL="0" indent="0">
+              <a:buNone/>
+            </a:pPr>
+            <a:r>
+              <a:rPr lang="zh-CN" altLang="en-US" dirty="0" smtClean="0"/>
+              <a:t>第三类：执行操作</a:t>
+            </a:r>
+            <a:r>
+              <a:rPr lang="en-US" altLang="zh-CN" dirty="0" smtClean="0"/>
+              <a:t>(</a:t>
+            </a:r>
+            <a:r>
+              <a:rPr lang="zh-CN" altLang="en-US" dirty="0" smtClean="0"/>
+              <a:t>可能带参数</a:t>
+            </a:r>
+            <a:r>
+              <a:rPr lang="en-US" altLang="zh-CN" dirty="0" smtClean="0"/>
+              <a:t>)</a:t>
+            </a:r>
+          </a:p>
+          <a:p>
+            <a:r>
+              <a:rPr lang="en-US" altLang="zh-CN" dirty="0"/>
+              <a:t>AT+TEST=SET, Param1,Param2,…</a:t>
+            </a:r>
+            <a:r>
+              <a:rPr lang="en-US" altLang="zh-CN" dirty="0" err="1" smtClean="0"/>
+              <a:t>Paramn</a:t>
+            </a:r>
+            <a:r>
+              <a:rPr lang="en-US" altLang="zh-CN" dirty="0" smtClean="0"/>
+              <a:t>\r\n</a:t>
+            </a:r>
+            <a:endParaRPr lang="en-US" altLang="zh-CN" dirty="0"/>
+          </a:p>
+        </p:txBody>
+      </p:sp>
+    </p:spTree>
+    <p:extLst>
+      <p:ext uri="{BB962C8B-B14F-4D97-AF65-F5344CB8AC3E}">
+        <p14:creationId xmlns:p14="http://schemas.microsoft.com/office/powerpoint/2010/main" val="2432178244"/>
+      </p:ext>
+    </p:extLst>
+  </p:cSld>
+  <p:clrMapOvr>
+    <a:masterClrMapping/>
+  </p:clrMapOvr>
+</p:sld>
+</file>
+
+<file path=ppt/slides/slide7.xml><?xml version="1.0" encoding="utf-8"?>
+<p:sld xmlns:a="http://schemas.openxmlformats.org/drawingml/2006/main" xmlns:r="http://schemas.openxmlformats.org/officeDocument/2006/relationships" xmlns:p="http://schemas.openxmlformats.org/presentationml/2006/main">
+  <p:cSld>
+    <p:spTree>
+      <p:nvGrpSpPr>
+        <p:cNvPr id="1" name=""/>
+        <p:cNvGrpSpPr/>
+        <p:nvPr/>
+      </p:nvGrpSpPr>
+      <p:grpSpPr>
+        <a:xfrm>
+          <a:off x="0" y="0"/>
+          <a:ext cx="0" cy="0"/>
+          <a:chOff x="0" y="0"/>
+          <a:chExt cx="0" cy="0"/>
+        </a:xfrm>
+      </p:grpSpPr>
+      <p:sp>
+        <p:nvSpPr>
+          <p:cNvPr id="2" name="标题 1"/>
+          <p:cNvSpPr>
+            <a:spLocks noGrp="1"/>
+          </p:cNvSpPr>
+          <p:nvPr>
+            <p:ph type="title"/>
+          </p:nvPr>
+        </p:nvSpPr>
+        <p:spPr>
+          <a:xfrm>
+            <a:off x="457200" y="274638"/>
+            <a:ext cx="8229600" cy="634082"/>
+          </a:xfrm>
+        </p:spPr>
+        <p:txBody>
+          <a:bodyPr>
+            <a:normAutofit fontScale="90000"/>
+          </a:bodyPr>
+          <a:lstStyle/>
+          <a:p>
+            <a:r>
+              <a:rPr lang="en-US" altLang="zh-CN" dirty="0" smtClean="0"/>
+              <a:t>AT Command API</a:t>
+            </a:r>
+            <a:endParaRPr lang="zh-CN" altLang="en-US" dirty="0"/>
+          </a:p>
+        </p:txBody>
+      </p:sp>
+      <p:sp>
+        <p:nvSpPr>
+          <p:cNvPr id="3" name="内容占位符 2"/>
+          <p:cNvSpPr>
+            <a:spLocks noGrp="1"/>
+          </p:cNvSpPr>
+          <p:nvPr>
+            <p:ph idx="1"/>
+          </p:nvPr>
+        </p:nvSpPr>
+        <p:spPr>
+          <a:xfrm>
+            <a:off x="457200" y="980729"/>
+            <a:ext cx="8229600" cy="2160240"/>
+          </a:xfrm>
+        </p:spPr>
+        <p:txBody>
+          <a:bodyPr>
+            <a:normAutofit/>
+          </a:bodyPr>
+          <a:lstStyle/>
+          <a:p>
+            <a:r>
+              <a:rPr lang="en-US" altLang="zh-CN" sz="2800" dirty="0" smtClean="0"/>
+              <a:t>1.at_command_init()</a:t>
+            </a:r>
+          </a:p>
+          <a:p>
+            <a:r>
+              <a:rPr lang="en-US" altLang="zh-CN" sz="2800" dirty="0" smtClean="0"/>
+              <a:t>2.at_command_register_handler(name, handler)</a:t>
+            </a:r>
+          </a:p>
+          <a:p>
+            <a:r>
+              <a:rPr lang="en-US" altLang="zh-CN" sz="2800" dirty="0" smtClean="0"/>
+              <a:t>3.at_command_deregister_handler(name, handler)</a:t>
+            </a:r>
+          </a:p>
+          <a:p>
+            <a:r>
+              <a:rPr lang="en-US" altLang="zh-CN" sz="2800" dirty="0" smtClean="0"/>
+              <a:t>4.at_command_deinit()</a:t>
+            </a:r>
+            <a:endParaRPr lang="zh-CN" altLang="en-US" sz="2800" dirty="0"/>
+          </a:p>
+        </p:txBody>
+      </p:sp>
+    </p:spTree>
+    <p:extLst>
+      <p:ext uri="{BB962C8B-B14F-4D97-AF65-F5344CB8AC3E}">
+        <p14:creationId xmlns:p14="http://schemas.microsoft.com/office/powerpoint/2010/main" val="2074716860"/>
+      </p:ext>
+    </p:extLst>
+  </p:cSld>
+  <p:clrMapOvr>
+    <a:masterClrMapping/>
+  </p:clrMapOvr>
+</p:sld>
+</file>
+
+<file path=ppt/slides/slide8.xml><?xml version="1.0" encoding="utf-8"?>
+<p:sld xmlns:a="http://schemas.openxmlformats.org/drawingml/2006/main" xmlns:r="http://schemas.openxmlformats.org/officeDocument/2006/relationships" xmlns:p="http://schemas.openxmlformats.org/presentationml/2006/main">
+  <p:cSld>
+    <p:spTree>
+      <p:nvGrpSpPr>
+        <p:cNvPr id="1" name=""/>
+        <p:cNvGrpSpPr/>
+        <p:nvPr/>
+      </p:nvGrpSpPr>
+      <p:grpSpPr>
+        <a:xfrm>
+          <a:off x="0" y="0"/>
+          <a:ext cx="0" cy="0"/>
+          <a:chOff x="0" y="0"/>
+          <a:chExt cx="0" cy="0"/>
+        </a:xfrm>
+      </p:grpSpPr>
+      <p:sp>
+        <p:nvSpPr>
+          <p:cNvPr id="2" name="标题 1"/>
+          <p:cNvSpPr>
+            <a:spLocks noGrp="1"/>
+          </p:cNvSpPr>
+          <p:nvPr>
+            <p:ph type="title"/>
+          </p:nvPr>
+        </p:nvSpPr>
+        <p:spPr>
+          <a:xfrm>
+            <a:off x="374848" y="476672"/>
+            <a:ext cx="8229600" cy="922114"/>
+          </a:xfrm>
+        </p:spPr>
+        <p:txBody>
+          <a:bodyPr/>
+          <a:lstStyle/>
+          <a:p>
+            <a:r>
+              <a:rPr lang="en-US" altLang="zh-CN" dirty="0" smtClean="0"/>
+              <a:t>Port service</a:t>
+            </a:r>
+            <a:endParaRPr lang="zh-CN" altLang="en-US" dirty="0"/>
+          </a:p>
+        </p:txBody>
+      </p:sp>
+      <p:sp>
+        <p:nvSpPr>
+          <p:cNvPr id="4" name="TextBox 3"/>
+          <p:cNvSpPr txBox="1"/>
+          <p:nvPr/>
+        </p:nvSpPr>
+        <p:spPr>
+          <a:xfrm>
+            <a:off x="755576" y="1628800"/>
+            <a:ext cx="7848872" cy="2308324"/>
+          </a:xfrm>
+          <a:prstGeom prst="rect">
+            <a:avLst/>
+          </a:prstGeom>
+          <a:noFill/>
+        </p:spPr>
+        <p:txBody>
+          <a:bodyPr wrap="square" rtlCol="0">
+            <a:spAutoFit/>
+          </a:bodyPr>
+          <a:lstStyle/>
+          <a:p>
+            <a:r>
+              <a:rPr lang="zh-CN" altLang="en-US" dirty="0" smtClean="0"/>
+              <a:t>每个</a:t>
+            </a:r>
+            <a:r>
+              <a:rPr lang="en-US" altLang="zh-CN" dirty="0" smtClean="0"/>
+              <a:t>port</a:t>
+            </a:r>
+            <a:r>
+              <a:rPr lang="zh-CN" altLang="en-US" dirty="0" smtClean="0"/>
+              <a:t>相互独立，软件可移植，可以方便对接除</a:t>
+            </a:r>
+            <a:r>
+              <a:rPr lang="en-US" altLang="zh-CN" dirty="0" err="1" smtClean="0"/>
+              <a:t>uart</a:t>
+            </a:r>
+            <a:r>
+              <a:rPr lang="zh-CN" altLang="en-US" dirty="0" smtClean="0"/>
+              <a:t>外的通信协议：</a:t>
+            </a:r>
+            <a:endParaRPr lang="en-US" altLang="zh-CN" dirty="0" smtClean="0"/>
+          </a:p>
+          <a:p>
+            <a:r>
+              <a:rPr lang="en-US" altLang="zh-CN" dirty="0" smtClean="0"/>
+              <a:t>API:</a:t>
+            </a:r>
+          </a:p>
+          <a:p>
+            <a:r>
+              <a:rPr lang="en-US" altLang="zh-CN" dirty="0" smtClean="0"/>
+              <a:t>1.Void </a:t>
+            </a:r>
+            <a:r>
+              <a:rPr lang="en-US" altLang="zh-CN" dirty="0" err="1" smtClean="0"/>
+              <a:t>port_service_init</a:t>
+            </a:r>
+            <a:r>
+              <a:rPr lang="en-US" altLang="zh-CN" dirty="0" smtClean="0"/>
+              <a:t>(</a:t>
+            </a:r>
+            <a:r>
+              <a:rPr lang="en-US" altLang="zh-CN" dirty="0" err="1" smtClean="0"/>
+              <a:t>port_num</a:t>
+            </a:r>
+            <a:r>
+              <a:rPr lang="en-US" altLang="zh-CN" dirty="0" smtClean="0"/>
+              <a:t>, </a:t>
+            </a:r>
+            <a:r>
+              <a:rPr lang="en-US" altLang="zh-CN" dirty="0" err="1" smtClean="0"/>
+              <a:t>port_setting</a:t>
+            </a:r>
+            <a:r>
+              <a:rPr lang="en-US" altLang="zh-CN" dirty="0" smtClean="0"/>
+              <a:t>);</a:t>
+            </a:r>
+          </a:p>
+          <a:p>
+            <a:r>
+              <a:rPr lang="en-US" altLang="zh-CN" dirty="0" smtClean="0"/>
+              <a:t>2.Void </a:t>
+            </a:r>
+            <a:r>
+              <a:rPr lang="en-US" altLang="zh-CN" dirty="0" err="1" smtClean="0"/>
+              <a:t>port_service_deinit</a:t>
+            </a:r>
+            <a:r>
+              <a:rPr lang="en-US" altLang="zh-CN" dirty="0" smtClean="0"/>
+              <a:t>(</a:t>
+            </a:r>
+            <a:r>
+              <a:rPr lang="en-US" altLang="zh-CN" dirty="0" err="1" smtClean="0"/>
+              <a:t>port_num</a:t>
+            </a:r>
+            <a:r>
+              <a:rPr lang="en-US" altLang="zh-CN" dirty="0" smtClean="0"/>
+              <a:t>);</a:t>
+            </a:r>
+          </a:p>
+          <a:p>
+            <a:r>
+              <a:rPr lang="en-US" altLang="zh-CN" dirty="0"/>
+              <a:t>3</a:t>
+            </a:r>
+            <a:r>
+              <a:rPr lang="en-US" altLang="zh-CN" dirty="0" smtClean="0"/>
+              <a:t>.port_service_handle </a:t>
+            </a:r>
+            <a:r>
+              <a:rPr lang="en-US" altLang="zh-CN" dirty="0" err="1" smtClean="0"/>
+              <a:t>port_service_open</a:t>
+            </a:r>
+            <a:r>
+              <a:rPr lang="en-US" altLang="zh-CN" dirty="0" smtClean="0"/>
+              <a:t>(</a:t>
+            </a:r>
+            <a:r>
+              <a:rPr lang="en-US" altLang="zh-CN" dirty="0" err="1" smtClean="0"/>
+              <a:t>port_num</a:t>
+            </a:r>
+            <a:r>
+              <a:rPr lang="en-US" altLang="zh-CN" dirty="0" smtClean="0"/>
+              <a:t>, </a:t>
+            </a:r>
+            <a:r>
+              <a:rPr lang="en-US" altLang="zh-CN" dirty="0" err="1" smtClean="0"/>
+              <a:t>user_callback</a:t>
+            </a:r>
+            <a:r>
+              <a:rPr lang="en-US" altLang="zh-CN" dirty="0" smtClean="0"/>
+              <a:t>, handle);</a:t>
+            </a:r>
+            <a:endParaRPr lang="en-US" altLang="zh-CN" dirty="0" smtClean="0"/>
+          </a:p>
+          <a:p>
+            <a:r>
+              <a:rPr lang="en-US" altLang="zh-CN" dirty="0" smtClean="0"/>
+              <a:t>4.status </a:t>
+            </a:r>
+            <a:r>
+              <a:rPr lang="en-US" altLang="zh-CN" dirty="0" err="1" smtClean="0"/>
+              <a:t>port_service_close</a:t>
+            </a:r>
+            <a:r>
+              <a:rPr lang="en-US" altLang="zh-CN" dirty="0" smtClean="0"/>
+              <a:t>(handle</a:t>
+            </a:r>
+            <a:r>
+              <a:rPr lang="en-US" altLang="zh-CN" dirty="0" smtClean="0"/>
+              <a:t>);</a:t>
+            </a:r>
+          </a:p>
+          <a:p>
+            <a:r>
+              <a:rPr lang="en-US" altLang="zh-CN" dirty="0"/>
+              <a:t>5</a:t>
+            </a:r>
+            <a:r>
+              <a:rPr lang="en-US" altLang="zh-CN" dirty="0" smtClean="0"/>
+              <a:t>.port_service_send_data(handle</a:t>
+            </a:r>
+            <a:r>
+              <a:rPr lang="en-US" altLang="zh-CN" dirty="0"/>
+              <a:t>, </a:t>
+            </a:r>
+            <a:r>
+              <a:rPr lang="en-US" altLang="zh-CN" dirty="0" smtClean="0"/>
+              <a:t>data_2_send);</a:t>
+            </a:r>
+          </a:p>
+          <a:p>
+            <a:r>
+              <a:rPr lang="en-US" altLang="zh-CN" dirty="0" smtClean="0"/>
+              <a:t>6.port_service_read_data(handle</a:t>
+            </a:r>
+            <a:r>
+              <a:rPr lang="en-US" altLang="zh-CN" dirty="0"/>
+              <a:t>, </a:t>
+            </a:r>
+            <a:r>
+              <a:rPr lang="en-US" altLang="zh-CN" dirty="0" err="1" smtClean="0"/>
+              <a:t>data_read</a:t>
+            </a:r>
+            <a:r>
+              <a:rPr lang="en-US" altLang="zh-CN" dirty="0" smtClean="0"/>
+              <a:t>)</a:t>
+            </a:r>
+            <a:endParaRPr lang="en-US" altLang="zh-CN" dirty="0"/>
+          </a:p>
+        </p:txBody>
+      </p:sp>
+    </p:spTree>
+    <p:extLst>
+      <p:ext uri="{BB962C8B-B14F-4D97-AF65-F5344CB8AC3E}">
+        <p14:creationId xmlns:p14="http://schemas.microsoft.com/office/powerpoint/2010/main" val="7125980"/>
+      </p:ext>
+    </p:extLst>
+  </p:cSld>
+  <p:clrMapOvr>
+    <a:masterClrMapping/>
+  </p:clrMapOvr>
+</p:sld>
+</file>
+
 <file path=ppt/theme/theme1.xml><?xml version="1.0" encoding="utf-8"?>
 <a:theme xmlns:a="http://schemas.openxmlformats.org/drawingml/2006/main" name="Office 主题">
   <a:themeElements>
@@ -10954,7 +12010,7 @@
         <a:sysClr val="windowText" lastClr="000000"/>
       </a:dk1>
       <a:lt1>
-        <a:sysClr val="window" lastClr="CAEACE"/>
+        <a:sysClr val="window" lastClr="FFFFFF"/>
       </a:lt1>
       <a:dk2>
         <a:srgbClr val="1F497D"/>
@@ -11237,7 +12293,7 @@
         <a:sysClr val="windowText" lastClr="000000"/>
       </a:dk1>
       <a:lt1>
-        <a:sysClr val="window" lastClr="CAEACE"/>
+        <a:sysClr val="window" lastClr="FFFFFF"/>
       </a:lt1>
       <a:dk2>
         <a:srgbClr val="1F497D"/>

--- a/bluetooth_basic_v0.1/Doc/软件架构.pptx
+++ b/bluetooth_basic_v0.1/Doc/软件架构.pptx
@@ -199,7 +199,7 @@
           <a:p>
             <a:fld id="{65F4D595-035B-4DEC-84DA-8AF3E05E2789}" type="datetimeFigureOut">
               <a:rPr lang="zh-CN" altLang="en-US" smtClean="0"/>
-              <a:t>2021/7/3</a:t>
+              <a:t>2021/7/11</a:t>
             </a:fld>
             <a:endParaRPr lang="zh-CN" altLang="en-US"/>
           </a:p>
@@ -799,7 +799,7 @@
           <a:p>
             <a:fld id="{530820CF-B880-4189-942D-D702A7CBA730}" type="datetimeFigureOut">
               <a:rPr lang="zh-CN" altLang="en-US" smtClean="0"/>
-              <a:t>2021/7/3</a:t>
+              <a:t>2021/7/11</a:t>
             </a:fld>
             <a:endParaRPr lang="zh-CN" altLang="en-US"/>
           </a:p>
@@ -971,7 +971,7 @@
           <a:p>
             <a:fld id="{530820CF-B880-4189-942D-D702A7CBA730}" type="datetimeFigureOut">
               <a:rPr lang="zh-CN" altLang="en-US" smtClean="0"/>
-              <a:t>2021/7/3</a:t>
+              <a:t>2021/7/11</a:t>
             </a:fld>
             <a:endParaRPr lang="zh-CN" altLang="en-US"/>
           </a:p>
@@ -1153,7 +1153,7 @@
           <a:p>
             <a:fld id="{530820CF-B880-4189-942D-D702A7CBA730}" type="datetimeFigureOut">
               <a:rPr lang="zh-CN" altLang="en-US" smtClean="0"/>
-              <a:t>2021/7/3</a:t>
+              <a:t>2021/7/11</a:t>
             </a:fld>
             <a:endParaRPr lang="zh-CN" altLang="en-US"/>
           </a:p>
@@ -1325,7 +1325,7 @@
           <a:p>
             <a:fld id="{530820CF-B880-4189-942D-D702A7CBA730}" type="datetimeFigureOut">
               <a:rPr lang="zh-CN" altLang="en-US" smtClean="0"/>
-              <a:t>2021/7/3</a:t>
+              <a:t>2021/7/11</a:t>
             </a:fld>
             <a:endParaRPr lang="zh-CN" altLang="en-US"/>
           </a:p>
@@ -1566,7 +1566,7 @@
           <a:p>
             <a:fld id="{530820CF-B880-4189-942D-D702A7CBA730}" type="datetimeFigureOut">
               <a:rPr lang="zh-CN" altLang="en-US" smtClean="0"/>
-              <a:t>2021/7/3</a:t>
+              <a:t>2021/7/11</a:t>
             </a:fld>
             <a:endParaRPr lang="zh-CN" altLang="en-US"/>
           </a:p>
@@ -1849,7 +1849,7 @@
           <a:p>
             <a:fld id="{530820CF-B880-4189-942D-D702A7CBA730}" type="datetimeFigureOut">
               <a:rPr lang="zh-CN" altLang="en-US" smtClean="0"/>
-              <a:t>2021/7/3</a:t>
+              <a:t>2021/7/11</a:t>
             </a:fld>
             <a:endParaRPr lang="zh-CN" altLang="en-US"/>
           </a:p>
@@ -2266,7 +2266,7 @@
           <a:p>
             <a:fld id="{530820CF-B880-4189-942D-D702A7CBA730}" type="datetimeFigureOut">
               <a:rPr lang="zh-CN" altLang="en-US" smtClean="0"/>
-              <a:t>2021/7/3</a:t>
+              <a:t>2021/7/11</a:t>
             </a:fld>
             <a:endParaRPr lang="zh-CN" altLang="en-US"/>
           </a:p>
@@ -2379,7 +2379,7 @@
           <a:p>
             <a:fld id="{530820CF-B880-4189-942D-D702A7CBA730}" type="datetimeFigureOut">
               <a:rPr lang="zh-CN" altLang="en-US" smtClean="0"/>
-              <a:t>2021/7/3</a:t>
+              <a:t>2021/7/11</a:t>
             </a:fld>
             <a:endParaRPr lang="zh-CN" altLang="en-US"/>
           </a:p>
@@ -2469,7 +2469,7 @@
           <a:p>
             <a:fld id="{530820CF-B880-4189-942D-D702A7CBA730}" type="datetimeFigureOut">
               <a:rPr lang="zh-CN" altLang="en-US" smtClean="0"/>
-              <a:t>2021/7/3</a:t>
+              <a:t>2021/7/11</a:t>
             </a:fld>
             <a:endParaRPr lang="zh-CN" altLang="en-US"/>
           </a:p>
@@ -2748,7 +2748,7 @@
           <a:p>
             <a:fld id="{530820CF-B880-4189-942D-D702A7CBA730}" type="datetimeFigureOut">
               <a:rPr lang="zh-CN" altLang="en-US" smtClean="0"/>
-              <a:t>2021/7/3</a:t>
+              <a:t>2021/7/11</a:t>
             </a:fld>
             <a:endParaRPr lang="zh-CN" altLang="en-US"/>
           </a:p>
@@ -2996,7 +2996,7 @@
           <a:p>
             <a:fld id="{530820CF-B880-4189-942D-D702A7CBA730}" type="datetimeFigureOut">
               <a:rPr lang="zh-CN" altLang="en-US" smtClean="0"/>
-              <a:t>2021/7/3</a:t>
+              <a:t>2021/7/11</a:t>
             </a:fld>
             <a:endParaRPr lang="zh-CN" altLang="en-US"/>
           </a:p>
@@ -3204,7 +3204,7 @@
           <a:p>
             <a:fld id="{530820CF-B880-4189-942D-D702A7CBA730}" type="datetimeFigureOut">
               <a:rPr lang="zh-CN" altLang="en-US" smtClean="0"/>
-              <a:t>2021/7/3</a:t>
+              <a:t>2021/7/11</a:t>
             </a:fld>
             <a:endParaRPr lang="zh-CN" altLang="en-US"/>
           </a:p>
@@ -5141,13 +5141,13 @@
           <p:nvPr>
             <p:extLst>
               <p:ext uri="{D42A27DB-BD31-4B8C-83A1-F6EECF244321}">
-                <p14:modId xmlns:p14="http://schemas.microsoft.com/office/powerpoint/2010/main" val="3833666764"/>
+                <p14:modId xmlns:p14="http://schemas.microsoft.com/office/powerpoint/2010/main" val="2486680624"/>
               </p:ext>
             </p:extLst>
           </p:nvPr>
         </p:nvGraphicFramePr>
         <p:xfrm>
-          <a:off x="251520" y="836712"/>
+          <a:off x="251520" y="2204864"/>
           <a:ext cx="8711866" cy="2773680"/>
         </p:xfrm>
         <a:graphic>
@@ -9562,6 +9562,44 @@
           </a:graphicData>
         </a:graphic>
       </p:graphicFrame>
+      <p:sp>
+        <p:nvSpPr>
+          <p:cNvPr id="3" name="TextBox 2"/>
+          <p:cNvSpPr txBox="1"/>
+          <p:nvPr/>
+        </p:nvSpPr>
+        <p:spPr>
+          <a:xfrm>
+            <a:off x="1979712" y="649404"/>
+            <a:ext cx="5472608" cy="646331"/>
+          </a:xfrm>
+          <a:prstGeom prst="rect">
+            <a:avLst/>
+          </a:prstGeom>
+          <a:noFill/>
+        </p:spPr>
+        <p:txBody>
+          <a:bodyPr wrap="square" rtlCol="0">
+            <a:spAutoFit/>
+          </a:bodyPr>
+          <a:lstStyle/>
+          <a:p>
+            <a:r>
+              <a:rPr lang="en-US" altLang="zh-CN" sz="3600" dirty="0" smtClean="0"/>
+              <a:t>BT </a:t>
+            </a:r>
+            <a:r>
+              <a:rPr lang="en-US" altLang="zh-CN" sz="3600" dirty="0" smtClean="0"/>
+              <a:t>callback manager </a:t>
+            </a:r>
+            <a:r>
+              <a:rPr lang="zh-CN" altLang="en-US" sz="3600" dirty="0" smtClean="0"/>
+              <a:t>结构</a:t>
+            </a:r>
+            <a:endParaRPr lang="zh-CN" altLang="en-US" sz="3600" dirty="0"/>
+          </a:p>
+        </p:txBody>
+      </p:sp>
     </p:spTree>
     <p:extLst>
       <p:ext uri="{BB962C8B-B14F-4D97-AF65-F5344CB8AC3E}">
@@ -11930,7 +11968,6 @@
               <a:rPr lang="en-US" altLang="zh-CN" dirty="0" smtClean="0"/>
               <a:t>, handle);</a:t>
             </a:r>
-            <a:endParaRPr lang="en-US" altLang="zh-CN" dirty="0" smtClean="0"/>
           </a:p>
           <a:p>
             <a:r>
@@ -11943,11 +11980,7 @@
             </a:r>
             <a:r>
               <a:rPr lang="en-US" altLang="zh-CN" dirty="0" smtClean="0"/>
-              <a:t>(handle</a:t>
-            </a:r>
-            <a:r>
-              <a:rPr lang="en-US" altLang="zh-CN" dirty="0" smtClean="0"/>
-              <a:t>);</a:t>
+              <a:t>(handle);</a:t>
             </a:r>
           </a:p>
           <a:p>
@@ -12010,7 +12043,7 @@
         <a:sysClr val="windowText" lastClr="000000"/>
       </a:dk1>
       <a:lt1>
-        <a:sysClr val="window" lastClr="FFFFFF"/>
+        <a:sysClr val="window" lastClr="CAEACE"/>
       </a:lt1>
       <a:dk2>
         <a:srgbClr val="1F497D"/>
@@ -12293,7 +12326,7 @@
         <a:sysClr val="windowText" lastClr="000000"/>
       </a:dk1>
       <a:lt1>
-        <a:sysClr val="window" lastClr="FFFFFF"/>
+        <a:sysClr val="window" lastClr="CAEACE"/>
       </a:lt1>
       <a:dk2>
         <a:srgbClr val="1F497D"/>
